--- a/document/Group_Meeting/3_depth_extimation/plan.pptx
+++ b/document/Group_Meeting/3_depth_extimation/plan.pptx
@@ -4529,295 +4529,730 @@
           <a:chExt cx="0" cy="0"/>
         </a:xfrm>
       </p:grpSpPr>
-      <p:sp>
-        <p:nvSpPr>
-          <p:cNvPr id="4" name="梯形 3"/>
-          <p:cNvSpPr/>
+      <p:grpSp>
+        <p:nvGrpSpPr>
+          <p:cNvPr id="39" name="组合 38"/>
+          <p:cNvGrpSpPr/>
           <p:nvPr/>
-        </p:nvSpPr>
-        <p:spPr>
+        </p:nvGrpSpPr>
+        <p:grpSpPr>
           <a:xfrm>
-            <a:off x="7893050" y="3025775"/>
-            <a:ext cx="448945" cy="311785"/>
+            <a:off x="7482840" y="4193540"/>
+            <a:ext cx="934085" cy="767080"/>
+            <a:chOff x="4330" y="1615"/>
+            <a:chExt cx="1471" cy="1208"/>
           </a:xfrm>
-          <a:prstGeom prst="trapezoid">
-            <a:avLst/>
-          </a:prstGeom>
-        </p:spPr>
-        <p:style>
-          <a:lnRef idx="2">
-            <a:schemeClr val="accent1">
-              <a:shade val="50000"/>
-            </a:schemeClr>
-          </a:lnRef>
-          <a:fillRef idx="1">
-            <a:schemeClr val="accent1"/>
-          </a:fillRef>
-          <a:effectRef idx="0">
-            <a:schemeClr val="accent1"/>
-          </a:effectRef>
-          <a:fontRef idx="minor">
-            <a:schemeClr val="lt1"/>
-          </a:fontRef>
-        </p:style>
-        <p:txBody>
-          <a:bodyPr rtlCol="0" anchor="ctr"/>
-          <a:p>
-            <a:pPr algn="ctr"/>
-            <a:r>
-              <a:rPr lang="en-US" altLang="zh-CN"/>
-              <a:t>1</a:t>
-            </a:r>
-            <a:endParaRPr lang="en-US" altLang="zh-CN"/>
-          </a:p>
-        </p:txBody>
-      </p:sp>
-      <p:sp>
-        <p:nvSpPr>
-          <p:cNvPr id="20" name="梯形 19"/>
-          <p:cNvSpPr/>
+        </p:grpSpPr>
+        <p:cxnSp>
+          <p:nvCxnSpPr>
+            <p:cNvPr id="26" name="直接箭头连接符 25"/>
+            <p:cNvCxnSpPr/>
+            <p:nvPr/>
+          </p:nvCxnSpPr>
+          <p:spPr>
+            <a:xfrm flipH="1" flipV="1">
+              <a:off x="4330" y="1615"/>
+              <a:ext cx="17" cy="1208"/>
+            </a:xfrm>
+            <a:prstGeom prst="straightConnector1">
+              <a:avLst/>
+            </a:prstGeom>
+            <a:ln w="38100">
+              <a:solidFill>
+                <a:schemeClr val="accent1"/>
+              </a:solidFill>
+              <a:headEnd type="none"/>
+              <a:tailEnd type="triangle" w="med" len="med"/>
+            </a:ln>
+          </p:spPr>
+          <p:style>
+            <a:lnRef idx="3">
+              <a:schemeClr val="accent2"/>
+            </a:lnRef>
+            <a:fillRef idx="0">
+              <a:schemeClr val="accent2"/>
+            </a:fillRef>
+            <a:effectRef idx="2">
+              <a:schemeClr val="accent2"/>
+            </a:effectRef>
+            <a:fontRef idx="minor">
+              <a:schemeClr val="tx1"/>
+            </a:fontRef>
+          </p:style>
+        </p:cxnSp>
+        <p:sp>
+          <p:nvSpPr>
+            <p:cNvPr id="27" name="矩形 26"/>
+            <p:cNvSpPr/>
+            <p:nvPr/>
+          </p:nvSpPr>
+          <p:spPr>
+            <a:xfrm>
+              <a:off x="4553" y="1873"/>
+              <a:ext cx="1249" cy="692"/>
+            </a:xfrm>
+            <a:prstGeom prst="rect">
+              <a:avLst/>
+            </a:prstGeom>
+          </p:spPr>
+          <p:style>
+            <a:lnRef idx="2">
+              <a:schemeClr val="accent5"/>
+            </a:lnRef>
+            <a:fillRef idx="1">
+              <a:schemeClr val="lt1"/>
+            </a:fillRef>
+            <a:effectRef idx="0">
+              <a:schemeClr val="accent5"/>
+            </a:effectRef>
+            <a:fontRef idx="minor">
+              <a:schemeClr val="dk1"/>
+            </a:fontRef>
+          </p:style>
+          <p:txBody>
+            <a:bodyPr rtlCol="0" anchor="ctr"/>
+            <a:p>
+              <a:pPr algn="ctr"/>
+              <a:r>
+                <a:rPr lang="en-US" altLang="zh-CN">
+                  <a:solidFill>
+                    <a:schemeClr val="tx1"/>
+                  </a:solidFill>
+                </a:rPr>
+                <a:t>N</a:t>
+              </a:r>
+              <a:endParaRPr lang="en-US" altLang="zh-CN">
+                <a:solidFill>
+                  <a:schemeClr val="tx1"/>
+                </a:solidFill>
+              </a:endParaRPr>
+            </a:p>
+          </p:txBody>
+        </p:sp>
+      </p:grpSp>
+      <p:grpSp>
+        <p:nvGrpSpPr>
+          <p:cNvPr id="37" name="组合 36"/>
+          <p:cNvGrpSpPr/>
           <p:nvPr/>
-        </p:nvSpPr>
-        <p:spPr>
-          <a:xfrm>
-            <a:off x="6108700" y="2236470"/>
-            <a:ext cx="448945" cy="311785"/>
+        </p:nvGrpSpPr>
+        <p:grpSpPr>
+          <a:xfrm rot="0">
+            <a:off x="4386580" y="532765"/>
+            <a:ext cx="4029710" cy="4806315"/>
+            <a:chOff x="6494" y="1355"/>
+            <a:chExt cx="6346" cy="7569"/>
           </a:xfrm>
-          <a:prstGeom prst="trapezoid">
-            <a:avLst/>
-          </a:prstGeom>
-        </p:spPr>
-        <p:style>
-          <a:lnRef idx="2">
-            <a:schemeClr val="accent1">
-              <a:shade val="50000"/>
-            </a:schemeClr>
-          </a:lnRef>
-          <a:fillRef idx="1">
-            <a:schemeClr val="accent1"/>
-          </a:fillRef>
-          <a:effectRef idx="0">
-            <a:schemeClr val="accent1"/>
-          </a:effectRef>
-          <a:fontRef idx="minor">
-            <a:schemeClr val="lt1"/>
-          </a:fontRef>
-        </p:style>
-        <p:txBody>
-          <a:bodyPr rtlCol="0" anchor="ctr"/>
-          <a:p>
-            <a:pPr algn="ctr"/>
-            <a:r>
-              <a:rPr lang="en-US" altLang="zh-CN"/>
-              <a:t>2</a:t>
-            </a:r>
-            <a:endParaRPr lang="en-US" altLang="zh-CN"/>
-          </a:p>
-        </p:txBody>
-      </p:sp>
-      <p:sp>
-        <p:nvSpPr>
-          <p:cNvPr id="21" name="梯形 20"/>
-          <p:cNvSpPr/>
-          <p:nvPr/>
-        </p:nvSpPr>
-        <p:spPr>
-          <a:xfrm>
-            <a:off x="6108700" y="4425950"/>
-            <a:ext cx="448945" cy="311785"/>
-          </a:xfrm>
-          <a:prstGeom prst="trapezoid">
-            <a:avLst/>
-          </a:prstGeom>
-        </p:spPr>
-        <p:style>
-          <a:lnRef idx="2">
-            <a:schemeClr val="accent1">
-              <a:shade val="50000"/>
-            </a:schemeClr>
-          </a:lnRef>
-          <a:fillRef idx="1">
-            <a:schemeClr val="accent1"/>
-          </a:fillRef>
-          <a:effectRef idx="0">
-            <a:schemeClr val="accent1"/>
-          </a:effectRef>
-          <a:fontRef idx="minor">
-            <a:schemeClr val="lt1"/>
-          </a:fontRef>
-        </p:style>
-        <p:txBody>
-          <a:bodyPr rtlCol="0" anchor="ctr"/>
-          <a:p>
-            <a:pPr algn="ctr"/>
-            <a:r>
-              <a:rPr lang="en-US" altLang="zh-CN"/>
-              <a:t>3</a:t>
-            </a:r>
-            <a:endParaRPr lang="en-US" altLang="zh-CN"/>
-          </a:p>
-        </p:txBody>
-      </p:sp>
-      <p:sp>
-        <p:nvSpPr>
-          <p:cNvPr id="22" name="梯形 21"/>
-          <p:cNvSpPr/>
-          <p:nvPr/>
-        </p:nvSpPr>
-        <p:spPr>
-          <a:xfrm>
-            <a:off x="4311650" y="1174115"/>
-            <a:ext cx="448945" cy="311785"/>
-          </a:xfrm>
-          <a:prstGeom prst="trapezoid">
-            <a:avLst/>
-          </a:prstGeom>
-        </p:spPr>
-        <p:style>
-          <a:lnRef idx="2">
-            <a:schemeClr val="accent1">
-              <a:shade val="50000"/>
-            </a:schemeClr>
-          </a:lnRef>
-          <a:fillRef idx="1">
-            <a:schemeClr val="accent1"/>
-          </a:fillRef>
-          <a:effectRef idx="0">
-            <a:schemeClr val="accent1"/>
-          </a:effectRef>
-          <a:fontRef idx="minor">
-            <a:schemeClr val="lt1"/>
-          </a:fontRef>
-        </p:style>
-        <p:txBody>
-          <a:bodyPr rtlCol="0" anchor="ctr"/>
-          <a:p>
-            <a:pPr algn="ctr"/>
-            <a:r>
-              <a:rPr lang="en-US" altLang="zh-CN"/>
-              <a:t>4</a:t>
-            </a:r>
-            <a:endParaRPr lang="en-US" altLang="zh-CN"/>
-          </a:p>
-        </p:txBody>
-      </p:sp>
-      <p:sp>
-        <p:nvSpPr>
-          <p:cNvPr id="23" name="梯形 22"/>
-          <p:cNvSpPr/>
-          <p:nvPr/>
-        </p:nvSpPr>
-        <p:spPr>
-          <a:xfrm>
-            <a:off x="4646930" y="3584575"/>
-            <a:ext cx="448945" cy="311785"/>
-          </a:xfrm>
-          <a:prstGeom prst="trapezoid">
-            <a:avLst/>
-          </a:prstGeom>
-        </p:spPr>
-        <p:style>
-          <a:lnRef idx="2">
-            <a:schemeClr val="accent1">
-              <a:shade val="50000"/>
-            </a:schemeClr>
-          </a:lnRef>
-          <a:fillRef idx="1">
-            <a:schemeClr val="accent1"/>
-          </a:fillRef>
-          <a:effectRef idx="0">
-            <a:schemeClr val="accent1"/>
-          </a:effectRef>
-          <a:fontRef idx="minor">
-            <a:schemeClr val="lt1"/>
-          </a:fontRef>
-        </p:style>
-        <p:txBody>
-          <a:bodyPr rtlCol="0" anchor="ctr"/>
-          <a:p>
-            <a:pPr algn="ctr"/>
-            <a:r>
-              <a:rPr lang="en-US" altLang="zh-CN"/>
-              <a:t>5</a:t>
-            </a:r>
-            <a:endParaRPr lang="en-US" altLang="zh-CN"/>
-          </a:p>
-        </p:txBody>
-      </p:sp>
-      <p:sp>
-        <p:nvSpPr>
-          <p:cNvPr id="24" name="梯形 23"/>
-          <p:cNvSpPr/>
-          <p:nvPr/>
-        </p:nvSpPr>
-        <p:spPr>
-          <a:xfrm>
-            <a:off x="4311650" y="5669280"/>
-            <a:ext cx="448945" cy="311785"/>
-          </a:xfrm>
-          <a:prstGeom prst="trapezoid">
-            <a:avLst/>
-          </a:prstGeom>
-        </p:spPr>
-        <p:style>
-          <a:lnRef idx="2">
-            <a:schemeClr val="accent1">
-              <a:shade val="50000"/>
-            </a:schemeClr>
-          </a:lnRef>
-          <a:fillRef idx="1">
-            <a:schemeClr val="accent1"/>
-          </a:fillRef>
-          <a:effectRef idx="0">
-            <a:schemeClr val="accent1"/>
-          </a:effectRef>
-          <a:fontRef idx="minor">
-            <a:schemeClr val="lt1"/>
-          </a:fontRef>
-        </p:style>
-        <p:txBody>
-          <a:bodyPr rtlCol="0" anchor="ctr"/>
-          <a:p>
-            <a:pPr algn="ctr"/>
-            <a:r>
-              <a:rPr lang="en-US" altLang="zh-CN"/>
-              <a:t>6</a:t>
-            </a:r>
-            <a:endParaRPr lang="en-US" altLang="zh-CN"/>
-          </a:p>
-        </p:txBody>
-      </p:sp>
+        </p:grpSpPr>
+        <p:sp>
+          <p:nvSpPr>
+            <p:cNvPr id="4" name="梯形 3"/>
+            <p:cNvSpPr/>
+            <p:nvPr/>
+          </p:nvSpPr>
+          <p:spPr>
+            <a:xfrm>
+              <a:off x="12134" y="4271"/>
+              <a:ext cx="707" cy="491"/>
+            </a:xfrm>
+            <a:prstGeom prst="trapezoid">
+              <a:avLst/>
+            </a:prstGeom>
+          </p:spPr>
+          <p:style>
+            <a:lnRef idx="2">
+              <a:schemeClr val="accent1">
+                <a:shade val="50000"/>
+              </a:schemeClr>
+            </a:lnRef>
+            <a:fillRef idx="1">
+              <a:schemeClr val="accent1"/>
+            </a:fillRef>
+            <a:effectRef idx="0">
+              <a:schemeClr val="accent1"/>
+            </a:effectRef>
+            <a:fontRef idx="minor">
+              <a:schemeClr val="lt1"/>
+            </a:fontRef>
+          </p:style>
+          <p:txBody>
+            <a:bodyPr rtlCol="0" anchor="ctr"/>
+            <a:p>
+              <a:pPr algn="ctr"/>
+              <a:r>
+                <a:rPr lang="en-US" altLang="zh-CN"/>
+                <a:t>1</a:t>
+              </a:r>
+              <a:endParaRPr lang="en-US" altLang="zh-CN"/>
+            </a:p>
+          </p:txBody>
+        </p:sp>
+        <p:sp>
+          <p:nvSpPr>
+            <p:cNvPr id="20" name="梯形 19"/>
+            <p:cNvSpPr/>
+            <p:nvPr/>
+          </p:nvSpPr>
+          <p:spPr>
+            <a:xfrm>
+              <a:off x="9324" y="3028"/>
+              <a:ext cx="707" cy="491"/>
+            </a:xfrm>
+            <a:prstGeom prst="trapezoid">
+              <a:avLst/>
+            </a:prstGeom>
+          </p:spPr>
+          <p:style>
+            <a:lnRef idx="2">
+              <a:schemeClr val="accent1">
+                <a:shade val="50000"/>
+              </a:schemeClr>
+            </a:lnRef>
+            <a:fillRef idx="1">
+              <a:schemeClr val="accent1"/>
+            </a:fillRef>
+            <a:effectRef idx="0">
+              <a:schemeClr val="accent1"/>
+            </a:effectRef>
+            <a:fontRef idx="minor">
+              <a:schemeClr val="lt1"/>
+            </a:fontRef>
+          </p:style>
+          <p:txBody>
+            <a:bodyPr rtlCol="0" anchor="ctr"/>
+            <a:p>
+              <a:pPr algn="ctr"/>
+              <a:r>
+                <a:rPr lang="en-US" altLang="zh-CN"/>
+                <a:t>2</a:t>
+              </a:r>
+              <a:endParaRPr lang="en-US" altLang="zh-CN"/>
+            </a:p>
+          </p:txBody>
+        </p:sp>
+        <p:sp>
+          <p:nvSpPr>
+            <p:cNvPr id="21" name="梯形 20"/>
+            <p:cNvSpPr/>
+            <p:nvPr/>
+          </p:nvSpPr>
+          <p:spPr>
+            <a:xfrm>
+              <a:off x="9324" y="6476"/>
+              <a:ext cx="707" cy="491"/>
+            </a:xfrm>
+            <a:prstGeom prst="trapezoid">
+              <a:avLst/>
+            </a:prstGeom>
+          </p:spPr>
+          <p:style>
+            <a:lnRef idx="2">
+              <a:schemeClr val="accent1">
+                <a:shade val="50000"/>
+              </a:schemeClr>
+            </a:lnRef>
+            <a:fillRef idx="1">
+              <a:schemeClr val="accent1"/>
+            </a:fillRef>
+            <a:effectRef idx="0">
+              <a:schemeClr val="accent1"/>
+            </a:effectRef>
+            <a:fontRef idx="minor">
+              <a:schemeClr val="lt1"/>
+            </a:fontRef>
+          </p:style>
+          <p:txBody>
+            <a:bodyPr rtlCol="0" anchor="ctr"/>
+            <a:p>
+              <a:pPr algn="ctr"/>
+              <a:r>
+                <a:rPr lang="en-US" altLang="zh-CN"/>
+                <a:t>3</a:t>
+              </a:r>
+              <a:endParaRPr lang="en-US" altLang="zh-CN"/>
+            </a:p>
+          </p:txBody>
+        </p:sp>
+        <p:sp>
+          <p:nvSpPr>
+            <p:cNvPr id="22" name="梯形 21"/>
+            <p:cNvSpPr/>
+            <p:nvPr/>
+          </p:nvSpPr>
+          <p:spPr>
+            <a:xfrm>
+              <a:off x="6494" y="1355"/>
+              <a:ext cx="707" cy="491"/>
+            </a:xfrm>
+            <a:prstGeom prst="trapezoid">
+              <a:avLst/>
+            </a:prstGeom>
+          </p:spPr>
+          <p:style>
+            <a:lnRef idx="2">
+              <a:schemeClr val="accent1">
+                <a:shade val="50000"/>
+              </a:schemeClr>
+            </a:lnRef>
+            <a:fillRef idx="1">
+              <a:schemeClr val="accent1"/>
+            </a:fillRef>
+            <a:effectRef idx="0">
+              <a:schemeClr val="accent1"/>
+            </a:effectRef>
+            <a:fontRef idx="minor">
+              <a:schemeClr val="lt1"/>
+            </a:fontRef>
+          </p:style>
+          <p:txBody>
+            <a:bodyPr rtlCol="0" anchor="ctr"/>
+            <a:p>
+              <a:pPr algn="ctr"/>
+              <a:r>
+                <a:rPr lang="en-US" altLang="zh-CN"/>
+                <a:t>4</a:t>
+              </a:r>
+              <a:endParaRPr lang="en-US" altLang="zh-CN"/>
+            </a:p>
+          </p:txBody>
+        </p:sp>
+        <p:sp>
+          <p:nvSpPr>
+            <p:cNvPr id="23" name="梯形 22"/>
+            <p:cNvSpPr/>
+            <p:nvPr/>
+          </p:nvSpPr>
+          <p:spPr>
+            <a:xfrm>
+              <a:off x="7022" y="5151"/>
+              <a:ext cx="707" cy="491"/>
+            </a:xfrm>
+            <a:prstGeom prst="trapezoid">
+              <a:avLst/>
+            </a:prstGeom>
+          </p:spPr>
+          <p:style>
+            <a:lnRef idx="2">
+              <a:schemeClr val="accent1">
+                <a:shade val="50000"/>
+              </a:schemeClr>
+            </a:lnRef>
+            <a:fillRef idx="1">
+              <a:schemeClr val="accent1"/>
+            </a:fillRef>
+            <a:effectRef idx="0">
+              <a:schemeClr val="accent1"/>
+            </a:effectRef>
+            <a:fontRef idx="minor">
+              <a:schemeClr val="lt1"/>
+            </a:fontRef>
+          </p:style>
+          <p:txBody>
+            <a:bodyPr rtlCol="0" anchor="ctr"/>
+            <a:p>
+              <a:pPr algn="ctr"/>
+              <a:r>
+                <a:rPr lang="en-US" altLang="zh-CN"/>
+                <a:t>5</a:t>
+              </a:r>
+              <a:endParaRPr lang="en-US" altLang="zh-CN"/>
+            </a:p>
+          </p:txBody>
+        </p:sp>
+        <p:sp>
+          <p:nvSpPr>
+            <p:cNvPr id="24" name="梯形 23"/>
+            <p:cNvSpPr/>
+            <p:nvPr/>
+          </p:nvSpPr>
+          <p:spPr>
+            <a:xfrm>
+              <a:off x="6494" y="8434"/>
+              <a:ext cx="707" cy="491"/>
+            </a:xfrm>
+            <a:prstGeom prst="trapezoid">
+              <a:avLst/>
+            </a:prstGeom>
+          </p:spPr>
+          <p:style>
+            <a:lnRef idx="2">
+              <a:schemeClr val="accent1">
+                <a:shade val="50000"/>
+              </a:schemeClr>
+            </a:lnRef>
+            <a:fillRef idx="1">
+              <a:schemeClr val="accent1"/>
+            </a:fillRef>
+            <a:effectRef idx="0">
+              <a:schemeClr val="accent1"/>
+            </a:effectRef>
+            <a:fontRef idx="minor">
+              <a:schemeClr val="lt1"/>
+            </a:fontRef>
+          </p:style>
+          <p:txBody>
+            <a:bodyPr rtlCol="0" anchor="ctr"/>
+            <a:p>
+              <a:pPr algn="ctr"/>
+              <a:r>
+                <a:rPr lang="en-US" altLang="zh-CN"/>
+                <a:t>6</a:t>
+              </a:r>
+              <a:endParaRPr lang="en-US" altLang="zh-CN"/>
+            </a:p>
+          </p:txBody>
+        </p:sp>
+        <p:cxnSp>
+          <p:nvCxnSpPr>
+            <p:cNvPr id="28" name="直接连接符 27"/>
+            <p:cNvCxnSpPr>
+              <a:stCxn id="22" idx="2"/>
+              <a:endCxn id="23" idx="0"/>
+            </p:cNvCxnSpPr>
+            <p:nvPr/>
+          </p:nvCxnSpPr>
+          <p:spPr>
+            <a:xfrm>
+              <a:off x="6848" y="1846"/>
+              <a:ext cx="528" cy="3305"/>
+            </a:xfrm>
+            <a:prstGeom prst="line">
+              <a:avLst/>
+            </a:prstGeom>
+            <a:ln>
+              <a:prstDash val="sysDash"/>
+            </a:ln>
+          </p:spPr>
+          <p:style>
+            <a:lnRef idx="3">
+              <a:schemeClr val="accent2"/>
+            </a:lnRef>
+            <a:fillRef idx="0">
+              <a:schemeClr val="accent2"/>
+            </a:fillRef>
+            <a:effectRef idx="2">
+              <a:schemeClr val="accent2"/>
+            </a:effectRef>
+            <a:fontRef idx="minor">
+              <a:schemeClr val="tx1"/>
+            </a:fontRef>
+          </p:style>
+        </p:cxnSp>
+        <p:cxnSp>
+          <p:nvCxnSpPr>
+            <p:cNvPr id="29" name="直接连接符 28"/>
+            <p:cNvCxnSpPr>
+              <a:stCxn id="22" idx="2"/>
+              <a:endCxn id="20" idx="1"/>
+            </p:cNvCxnSpPr>
+            <p:nvPr/>
+          </p:nvCxnSpPr>
+          <p:spPr>
+            <a:xfrm>
+              <a:off x="6848" y="1846"/>
+              <a:ext cx="2537" cy="1428"/>
+            </a:xfrm>
+            <a:prstGeom prst="line">
+              <a:avLst/>
+            </a:prstGeom>
+            <a:ln>
+              <a:prstDash val="sysDash"/>
+            </a:ln>
+          </p:spPr>
+          <p:style>
+            <a:lnRef idx="3">
+              <a:schemeClr val="accent2"/>
+            </a:lnRef>
+            <a:fillRef idx="0">
+              <a:schemeClr val="accent2"/>
+            </a:fillRef>
+            <a:effectRef idx="2">
+              <a:schemeClr val="accent2"/>
+            </a:effectRef>
+            <a:fontRef idx="minor">
+              <a:schemeClr val="tx1"/>
+            </a:fontRef>
+          </p:style>
+        </p:cxnSp>
+        <p:cxnSp>
+          <p:nvCxnSpPr>
+            <p:cNvPr id="30" name="直接连接符 29"/>
+            <p:cNvCxnSpPr>
+              <a:stCxn id="20" idx="2"/>
+              <a:endCxn id="4" idx="1"/>
+            </p:cNvCxnSpPr>
+            <p:nvPr/>
+          </p:nvCxnSpPr>
+          <p:spPr>
+            <a:xfrm>
+              <a:off x="9678" y="3519"/>
+              <a:ext cx="2517" cy="998"/>
+            </a:xfrm>
+            <a:prstGeom prst="line">
+              <a:avLst/>
+            </a:prstGeom>
+            <a:ln>
+              <a:prstDash val="sysDash"/>
+            </a:ln>
+          </p:spPr>
+          <p:style>
+            <a:lnRef idx="3">
+              <a:schemeClr val="accent2"/>
+            </a:lnRef>
+            <a:fillRef idx="0">
+              <a:schemeClr val="accent2"/>
+            </a:fillRef>
+            <a:effectRef idx="2">
+              <a:schemeClr val="accent2"/>
+            </a:effectRef>
+            <a:fontRef idx="minor">
+              <a:schemeClr val="tx1"/>
+            </a:fontRef>
+          </p:style>
+        </p:cxnSp>
+        <p:cxnSp>
+          <p:nvCxnSpPr>
+            <p:cNvPr id="31" name="直接连接符 30"/>
+            <p:cNvCxnSpPr>
+              <a:stCxn id="20" idx="2"/>
+              <a:endCxn id="21" idx="0"/>
+            </p:cNvCxnSpPr>
+            <p:nvPr/>
+          </p:nvCxnSpPr>
+          <p:spPr>
+            <a:xfrm>
+              <a:off x="9678" y="3519"/>
+              <a:ext cx="0" cy="2957"/>
+            </a:xfrm>
+            <a:prstGeom prst="line">
+              <a:avLst/>
+            </a:prstGeom>
+            <a:ln>
+              <a:prstDash val="sysDash"/>
+            </a:ln>
+          </p:spPr>
+          <p:style>
+            <a:lnRef idx="3">
+              <a:schemeClr val="accent2"/>
+            </a:lnRef>
+            <a:fillRef idx="0">
+              <a:schemeClr val="accent2"/>
+            </a:fillRef>
+            <a:effectRef idx="2">
+              <a:schemeClr val="accent2"/>
+            </a:effectRef>
+            <a:fontRef idx="minor">
+              <a:schemeClr val="tx1"/>
+            </a:fontRef>
+          </p:style>
+        </p:cxnSp>
+        <p:cxnSp>
+          <p:nvCxnSpPr>
+            <p:cNvPr id="32" name="直接连接符 31"/>
+            <p:cNvCxnSpPr>
+              <a:stCxn id="4" idx="1"/>
+            </p:cNvCxnSpPr>
+            <p:nvPr/>
+          </p:nvCxnSpPr>
+          <p:spPr>
+            <a:xfrm flipH="1">
+              <a:off x="9681" y="4517"/>
+              <a:ext cx="2514" cy="1953"/>
+            </a:xfrm>
+            <a:prstGeom prst="line">
+              <a:avLst/>
+            </a:prstGeom>
+            <a:ln>
+              <a:prstDash val="sysDash"/>
+            </a:ln>
+          </p:spPr>
+          <p:style>
+            <a:lnRef idx="3">
+              <a:schemeClr val="accent2"/>
+            </a:lnRef>
+            <a:fillRef idx="0">
+              <a:schemeClr val="accent2"/>
+            </a:fillRef>
+            <a:effectRef idx="2">
+              <a:schemeClr val="accent2"/>
+            </a:effectRef>
+            <a:fontRef idx="minor">
+              <a:schemeClr val="tx1"/>
+            </a:fontRef>
+          </p:style>
+        </p:cxnSp>
+        <p:cxnSp>
+          <p:nvCxnSpPr>
+            <p:cNvPr id="33" name="直接连接符 32"/>
+            <p:cNvCxnSpPr>
+              <a:stCxn id="23" idx="2"/>
+              <a:endCxn id="24" idx="0"/>
+            </p:cNvCxnSpPr>
+            <p:nvPr/>
+          </p:nvCxnSpPr>
+          <p:spPr>
+            <a:xfrm flipH="1">
+              <a:off x="6848" y="5642"/>
+              <a:ext cx="528" cy="2792"/>
+            </a:xfrm>
+            <a:prstGeom prst="line">
+              <a:avLst/>
+            </a:prstGeom>
+            <a:ln>
+              <a:prstDash val="sysDash"/>
+            </a:ln>
+          </p:spPr>
+          <p:style>
+            <a:lnRef idx="3">
+              <a:schemeClr val="accent2"/>
+            </a:lnRef>
+            <a:fillRef idx="0">
+              <a:schemeClr val="accent2"/>
+            </a:fillRef>
+            <a:effectRef idx="2">
+              <a:schemeClr val="accent2"/>
+            </a:effectRef>
+            <a:fontRef idx="minor">
+              <a:schemeClr val="tx1"/>
+            </a:fontRef>
+          </p:style>
+        </p:cxnSp>
+        <p:cxnSp>
+          <p:nvCxnSpPr>
+            <p:cNvPr id="34" name="直接连接符 33"/>
+            <p:cNvCxnSpPr>
+              <a:stCxn id="23" idx="2"/>
+            </p:cNvCxnSpPr>
+            <p:nvPr/>
+          </p:nvCxnSpPr>
+          <p:spPr>
+            <a:xfrm>
+              <a:off x="7376" y="5642"/>
+              <a:ext cx="2289" cy="828"/>
+            </a:xfrm>
+            <a:prstGeom prst="line">
+              <a:avLst/>
+            </a:prstGeom>
+            <a:ln>
+              <a:prstDash val="sysDash"/>
+            </a:ln>
+          </p:spPr>
+          <p:style>
+            <a:lnRef idx="3">
+              <a:schemeClr val="accent2"/>
+            </a:lnRef>
+            <a:fillRef idx="0">
+              <a:schemeClr val="accent2"/>
+            </a:fillRef>
+            <a:effectRef idx="2">
+              <a:schemeClr val="accent2"/>
+            </a:effectRef>
+            <a:fontRef idx="minor">
+              <a:schemeClr val="tx1"/>
+            </a:fontRef>
+          </p:style>
+        </p:cxnSp>
+        <p:cxnSp>
+          <p:nvCxnSpPr>
+            <p:cNvPr id="35" name="直接连接符 34"/>
+            <p:cNvCxnSpPr>
+              <a:stCxn id="21" idx="0"/>
+              <a:endCxn id="24" idx="0"/>
+            </p:cNvCxnSpPr>
+            <p:nvPr/>
+          </p:nvCxnSpPr>
+          <p:spPr>
+            <a:xfrm flipH="1">
+              <a:off x="6848" y="6476"/>
+              <a:ext cx="2830" cy="1958"/>
+            </a:xfrm>
+            <a:prstGeom prst="line">
+              <a:avLst/>
+            </a:prstGeom>
+            <a:ln>
+              <a:prstDash val="sysDash"/>
+            </a:ln>
+          </p:spPr>
+          <p:style>
+            <a:lnRef idx="3">
+              <a:schemeClr val="accent2"/>
+            </a:lnRef>
+            <a:fillRef idx="0">
+              <a:schemeClr val="accent2"/>
+            </a:fillRef>
+            <a:effectRef idx="2">
+              <a:schemeClr val="accent2"/>
+            </a:effectRef>
+            <a:fontRef idx="minor">
+              <a:schemeClr val="tx1"/>
+            </a:fontRef>
+          </p:style>
+        </p:cxnSp>
+        <p:cxnSp>
+          <p:nvCxnSpPr>
+            <p:cNvPr id="36" name="直接连接符 35"/>
+            <p:cNvCxnSpPr>
+              <a:stCxn id="23" idx="0"/>
+              <a:endCxn id="20" idx="2"/>
+            </p:cNvCxnSpPr>
+            <p:nvPr/>
+          </p:nvCxnSpPr>
+          <p:spPr>
+            <a:xfrm flipV="1">
+              <a:off x="7376" y="3519"/>
+              <a:ext cx="2302" cy="1632"/>
+            </a:xfrm>
+            <a:prstGeom prst="line">
+              <a:avLst/>
+            </a:prstGeom>
+            <a:ln>
+              <a:prstDash val="sysDash"/>
+            </a:ln>
+          </p:spPr>
+          <p:style>
+            <a:lnRef idx="3">
+              <a:schemeClr val="accent2"/>
+            </a:lnRef>
+            <a:fillRef idx="0">
+              <a:schemeClr val="accent2"/>
+            </a:fillRef>
+            <a:effectRef idx="2">
+              <a:schemeClr val="accent2"/>
+            </a:effectRef>
+            <a:fontRef idx="minor">
+              <a:schemeClr val="tx1"/>
+            </a:fontRef>
+          </p:style>
+        </p:cxnSp>
+      </p:grpSp>
       <p:cxnSp>
         <p:nvCxnSpPr>
-          <p:cNvPr id="26" name="直接箭头连接符 25"/>
+          <p:cNvPr id="38" name="直接连接符 37"/>
           <p:cNvCxnSpPr/>
           <p:nvPr/>
         </p:nvCxnSpPr>
         <p:spPr>
-          <a:xfrm flipH="1" flipV="1">
-            <a:off x="8876665" y="919480"/>
-            <a:ext cx="1600200" cy="3175"/>
+          <a:xfrm>
+            <a:off x="3757295" y="5741670"/>
+            <a:ext cx="5203190" cy="8255"/>
           </a:xfrm>
-          <a:prstGeom prst="straightConnector1">
+          <a:prstGeom prst="line">
             <a:avLst/>
           </a:prstGeom>
-          <a:ln w="38100">
-            <a:solidFill>
-              <a:schemeClr val="accent1"/>
-            </a:solidFill>
-            <a:headEnd type="none"/>
+          <a:ln>
+            <a:headEnd type="none" w="med" len="med"/>
             <a:tailEnd type="triangle" w="med" len="med"/>
           </a:ln>
         </p:spPr>
         <p:style>
           <a:lnRef idx="3">
-            <a:schemeClr val="accent2"/>
+            <a:schemeClr val="accent6"/>
           </a:lnRef>
           <a:fillRef idx="0">
-            <a:schemeClr val="accent2"/>
+            <a:schemeClr val="accent6"/>
           </a:fillRef>
           <a:effectRef idx="2">
-            <a:schemeClr val="accent2"/>
+            <a:schemeClr val="accent6"/>
           </a:effectRef>
           <a:fontRef idx="minor">
             <a:schemeClr val="tx1"/>
@@ -4826,375 +5261,33 @@
       </p:cxnSp>
       <p:sp>
         <p:nvSpPr>
-          <p:cNvPr id="27" name="矩形 26"/>
-          <p:cNvSpPr/>
+          <p:cNvPr id="40" name="文本框 39"/>
+          <p:cNvSpPr txBox="1"/>
           <p:nvPr/>
         </p:nvSpPr>
         <p:spPr>
           <a:xfrm>
-            <a:off x="9425940" y="1209675"/>
-            <a:ext cx="793115" cy="439420"/>
+            <a:off x="5645785" y="5373370"/>
+            <a:ext cx="2090420" cy="368300"/>
           </a:xfrm>
           <a:prstGeom prst="rect">
             <a:avLst/>
           </a:prstGeom>
+          <a:noFill/>
         </p:spPr>
-        <p:style>
-          <a:lnRef idx="2">
-            <a:schemeClr val="accent5"/>
-          </a:lnRef>
-          <a:fillRef idx="1">
-            <a:schemeClr val="lt1"/>
-          </a:fillRef>
-          <a:effectRef idx="0">
-            <a:schemeClr val="accent5"/>
-          </a:effectRef>
-          <a:fontRef idx="minor">
-            <a:schemeClr val="dk1"/>
-          </a:fontRef>
-        </p:style>
-        <p:txBody>
-          <a:bodyPr rtlCol="0" anchor="ctr"/>
-          <a:p>
-            <a:pPr algn="ctr"/>
-            <a:r>
-              <a:rPr lang="en-US" altLang="zh-CN">
-                <a:solidFill>
-                  <a:schemeClr val="tx1"/>
-                </a:solidFill>
-              </a:rPr>
-              <a:t>N</a:t>
-            </a:r>
-            <a:endParaRPr lang="en-US" altLang="zh-CN">
-              <a:solidFill>
-                <a:schemeClr val="tx1"/>
-              </a:solidFill>
-            </a:endParaRPr>
-          </a:p>
-        </p:txBody>
-      </p:sp>
-      <p:cxnSp>
-        <p:nvCxnSpPr>
-          <p:cNvPr id="28" name="直接连接符 27"/>
-          <p:cNvCxnSpPr>
-            <a:stCxn id="22" idx="2"/>
-            <a:endCxn id="23" idx="0"/>
-          </p:cNvCxnSpPr>
-          <p:nvPr/>
-        </p:nvCxnSpPr>
-        <p:spPr>
-          <a:xfrm>
-            <a:off x="4536440" y="1485900"/>
-            <a:ext cx="335280" cy="2098675"/>
-          </a:xfrm>
-          <a:prstGeom prst="line">
-            <a:avLst/>
-          </a:prstGeom>
-          <a:ln>
-            <a:prstDash val="sysDash"/>
-          </a:ln>
-        </p:spPr>
-        <p:style>
-          <a:lnRef idx="3">
-            <a:schemeClr val="accent2"/>
-          </a:lnRef>
-          <a:fillRef idx="0">
-            <a:schemeClr val="accent2"/>
-          </a:fillRef>
-          <a:effectRef idx="2">
-            <a:schemeClr val="accent2"/>
-          </a:effectRef>
-          <a:fontRef idx="minor">
-            <a:schemeClr val="tx1"/>
-          </a:fontRef>
-        </p:style>
-      </p:cxnSp>
-      <p:cxnSp>
-        <p:nvCxnSpPr>
-          <p:cNvPr id="29" name="直接连接符 28"/>
-          <p:cNvCxnSpPr>
-            <a:stCxn id="22" idx="2"/>
-            <a:endCxn id="20" idx="1"/>
-          </p:cNvCxnSpPr>
-          <p:nvPr/>
-        </p:nvCxnSpPr>
-        <p:spPr>
-          <a:xfrm>
-            <a:off x="4536440" y="1485900"/>
-            <a:ext cx="1610995" cy="906780"/>
-          </a:xfrm>
-          <a:prstGeom prst="line">
-            <a:avLst/>
-          </a:prstGeom>
-          <a:ln>
-            <a:prstDash val="sysDash"/>
-          </a:ln>
-        </p:spPr>
-        <p:style>
-          <a:lnRef idx="3">
-            <a:schemeClr val="accent2"/>
-          </a:lnRef>
-          <a:fillRef idx="0">
-            <a:schemeClr val="accent2"/>
-          </a:fillRef>
-          <a:effectRef idx="2">
-            <a:schemeClr val="accent2"/>
-          </a:effectRef>
-          <a:fontRef idx="minor">
-            <a:schemeClr val="tx1"/>
-          </a:fontRef>
-        </p:style>
-      </p:cxnSp>
-      <p:cxnSp>
-        <p:nvCxnSpPr>
-          <p:cNvPr id="30" name="直接连接符 29"/>
-          <p:cNvCxnSpPr>
-            <a:stCxn id="20" idx="2"/>
-            <a:endCxn id="4" idx="1"/>
-          </p:cNvCxnSpPr>
-          <p:nvPr/>
-        </p:nvCxnSpPr>
-        <p:spPr>
-          <a:xfrm>
-            <a:off x="6333490" y="2548255"/>
-            <a:ext cx="1598295" cy="633730"/>
-          </a:xfrm>
-          <a:prstGeom prst="line">
-            <a:avLst/>
-          </a:prstGeom>
-          <a:ln>
-            <a:prstDash val="sysDash"/>
-          </a:ln>
-        </p:spPr>
-        <p:style>
-          <a:lnRef idx="3">
-            <a:schemeClr val="accent2"/>
-          </a:lnRef>
-          <a:fillRef idx="0">
-            <a:schemeClr val="accent2"/>
-          </a:fillRef>
-          <a:effectRef idx="2">
-            <a:schemeClr val="accent2"/>
-          </a:effectRef>
-          <a:fontRef idx="minor">
-            <a:schemeClr val="tx1"/>
-          </a:fontRef>
-        </p:style>
-      </p:cxnSp>
-      <p:cxnSp>
-        <p:nvCxnSpPr>
-          <p:cNvPr id="31" name="直接连接符 30"/>
-          <p:cNvCxnSpPr>
-            <a:stCxn id="20" idx="2"/>
-            <a:endCxn id="21" idx="0"/>
-          </p:cNvCxnSpPr>
-          <p:nvPr/>
-        </p:nvCxnSpPr>
-        <p:spPr>
-          <a:xfrm>
-            <a:off x="6333490" y="2548255"/>
-            <a:ext cx="0" cy="1877695"/>
-          </a:xfrm>
-          <a:prstGeom prst="line">
-            <a:avLst/>
-          </a:prstGeom>
-          <a:ln>
-            <a:prstDash val="sysDash"/>
-          </a:ln>
-        </p:spPr>
-        <p:style>
-          <a:lnRef idx="3">
-            <a:schemeClr val="accent2"/>
-          </a:lnRef>
-          <a:fillRef idx="0">
-            <a:schemeClr val="accent2"/>
-          </a:fillRef>
-          <a:effectRef idx="2">
-            <a:schemeClr val="accent2"/>
-          </a:effectRef>
-          <a:fontRef idx="minor">
-            <a:schemeClr val="tx1"/>
-          </a:fontRef>
-        </p:style>
-      </p:cxnSp>
-      <p:cxnSp>
-        <p:nvCxnSpPr>
-          <p:cNvPr id="32" name="直接连接符 31"/>
-          <p:cNvCxnSpPr>
-            <a:stCxn id="4" idx="1"/>
-          </p:cNvCxnSpPr>
-          <p:nvPr/>
-        </p:nvCxnSpPr>
-        <p:spPr>
-          <a:xfrm flipH="1">
-            <a:off x="6335395" y="3181985"/>
-            <a:ext cx="1596390" cy="1240155"/>
-          </a:xfrm>
-          <a:prstGeom prst="line">
-            <a:avLst/>
-          </a:prstGeom>
-          <a:ln>
-            <a:prstDash val="sysDash"/>
-          </a:ln>
-        </p:spPr>
-        <p:style>
-          <a:lnRef idx="3">
-            <a:schemeClr val="accent2"/>
-          </a:lnRef>
-          <a:fillRef idx="0">
-            <a:schemeClr val="accent2"/>
-          </a:fillRef>
-          <a:effectRef idx="2">
-            <a:schemeClr val="accent2"/>
-          </a:effectRef>
-          <a:fontRef idx="minor">
-            <a:schemeClr val="tx1"/>
-          </a:fontRef>
-        </p:style>
-      </p:cxnSp>
-      <p:cxnSp>
-        <p:nvCxnSpPr>
-          <p:cNvPr id="33" name="直接连接符 32"/>
-          <p:cNvCxnSpPr>
-            <a:stCxn id="23" idx="2"/>
-            <a:endCxn id="24" idx="0"/>
-          </p:cNvCxnSpPr>
-          <p:nvPr/>
-        </p:nvCxnSpPr>
-        <p:spPr>
-          <a:xfrm flipH="1">
-            <a:off x="4536440" y="3896360"/>
-            <a:ext cx="335280" cy="1772920"/>
-          </a:xfrm>
-          <a:prstGeom prst="line">
-            <a:avLst/>
-          </a:prstGeom>
-          <a:ln>
-            <a:prstDash val="sysDash"/>
-          </a:ln>
-        </p:spPr>
-        <p:style>
-          <a:lnRef idx="3">
-            <a:schemeClr val="accent2"/>
-          </a:lnRef>
-          <a:fillRef idx="0">
-            <a:schemeClr val="accent2"/>
-          </a:fillRef>
-          <a:effectRef idx="2">
-            <a:schemeClr val="accent2"/>
-          </a:effectRef>
-          <a:fontRef idx="minor">
-            <a:schemeClr val="tx1"/>
-          </a:fontRef>
-        </p:style>
-      </p:cxnSp>
-      <p:cxnSp>
-        <p:nvCxnSpPr>
-          <p:cNvPr id="34" name="直接连接符 33"/>
-          <p:cNvCxnSpPr>
-            <a:stCxn id="23" idx="2"/>
-          </p:cNvCxnSpPr>
-          <p:nvPr/>
-        </p:nvCxnSpPr>
-        <p:spPr>
-          <a:xfrm>
-            <a:off x="4871720" y="3896360"/>
-            <a:ext cx="1453515" cy="525780"/>
-          </a:xfrm>
-          <a:prstGeom prst="line">
-            <a:avLst/>
-          </a:prstGeom>
-          <a:ln>
-            <a:prstDash val="sysDash"/>
-          </a:ln>
-        </p:spPr>
-        <p:style>
-          <a:lnRef idx="3">
-            <a:schemeClr val="accent2"/>
-          </a:lnRef>
-          <a:fillRef idx="0">
-            <a:schemeClr val="accent2"/>
-          </a:fillRef>
-          <a:effectRef idx="2">
-            <a:schemeClr val="accent2"/>
-          </a:effectRef>
-          <a:fontRef idx="minor">
-            <a:schemeClr val="tx1"/>
-          </a:fontRef>
-        </p:style>
-      </p:cxnSp>
-      <p:cxnSp>
-        <p:nvCxnSpPr>
-          <p:cNvPr id="35" name="直接连接符 34"/>
-          <p:cNvCxnSpPr>
-            <a:stCxn id="21" idx="0"/>
-            <a:endCxn id="24" idx="0"/>
-          </p:cNvCxnSpPr>
-          <p:nvPr/>
-        </p:nvCxnSpPr>
-        <p:spPr>
-          <a:xfrm flipH="1">
-            <a:off x="4536440" y="4425950"/>
-            <a:ext cx="1797050" cy="1243330"/>
-          </a:xfrm>
-          <a:prstGeom prst="line">
-            <a:avLst/>
-          </a:prstGeom>
-          <a:ln>
-            <a:prstDash val="sysDash"/>
-          </a:ln>
-        </p:spPr>
-        <p:style>
-          <a:lnRef idx="3">
-            <a:schemeClr val="accent2"/>
-          </a:lnRef>
-          <a:fillRef idx="0">
-            <a:schemeClr val="accent2"/>
-          </a:fillRef>
-          <a:effectRef idx="2">
-            <a:schemeClr val="accent2"/>
-          </a:effectRef>
-          <a:fontRef idx="minor">
-            <a:schemeClr val="tx1"/>
-          </a:fontRef>
-        </p:style>
-      </p:cxnSp>
-      <p:cxnSp>
-        <p:nvCxnSpPr>
-          <p:cNvPr id="36" name="直接连接符 35"/>
-          <p:cNvCxnSpPr>
-            <a:stCxn id="23" idx="0"/>
-            <a:endCxn id="20" idx="2"/>
-          </p:cNvCxnSpPr>
-          <p:nvPr/>
-        </p:nvCxnSpPr>
-        <p:spPr>
-          <a:xfrm flipV="1">
-            <a:off x="4871720" y="2548255"/>
-            <a:ext cx="1461770" cy="1036320"/>
-          </a:xfrm>
-          <a:prstGeom prst="line">
-            <a:avLst/>
-          </a:prstGeom>
-          <a:ln>
-            <a:prstDash val="sysDash"/>
-          </a:ln>
-        </p:spPr>
-        <p:style>
-          <a:lnRef idx="3">
-            <a:schemeClr val="accent2"/>
-          </a:lnRef>
-          <a:fillRef idx="0">
-            <a:schemeClr val="accent2"/>
-          </a:fillRef>
-          <a:effectRef idx="2">
-            <a:schemeClr val="accent2"/>
-          </a:effectRef>
-          <a:fontRef idx="minor">
-            <a:schemeClr val="tx1"/>
-          </a:fontRef>
-        </p:style>
-      </p:cxnSp>
+        <p:txBody>
+          <a:bodyPr wrap="square" rtlCol="0">
+            <a:spAutoFit/>
+          </a:bodyPr>
+          <a:p>
+            <a:r>
+              <a:rPr lang="en-US" altLang="zh-CN"/>
+              <a:t>flight direction</a:t>
+            </a:r>
+            <a:endParaRPr lang="en-US" altLang="zh-CN"/>
+          </a:p>
+        </p:txBody>
+      </p:sp>
     </p:spTree>
   </p:cSld>
   <p:clrMapOvr>
